--- a/PP-Prevenciq.free.bg.pptx
+++ b/PP-Prevenciq.free.bg.pptx
@@ -110,7 +110,75 @@
       </a:defRPr>
     </a:lvl9pPr>
   </p:defaultTextStyle>
+  <p:extLst>
+    <p:ext uri="{EFAFB233-063F-42B5-8137-9DF3F51BA10A}">
+      <p15:sldGuideLst xmlns:p15="http://schemas.microsoft.com/office/powerpoint/2012/main">
+        <p15:guide id="1" orient="horz" pos="2160">
+          <p15:clr>
+            <a:srgbClr val="A4A3A4"/>
+          </p15:clr>
+        </p15:guide>
+        <p15:guide id="2" pos="3840">
+          <p15:clr>
+            <a:srgbClr val="A4A3A4"/>
+          </p15:clr>
+        </p15:guide>
+      </p15:sldGuideLst>
+    </p:ext>
+  </p:extLst>
 </p:presentation>
+</file>
+
+<file path=ppt/changesInfos/changesInfo1.xml><?xml version="1.0" encoding="utf-8"?>
+<pc:chgInfo xmlns:a="http://schemas.openxmlformats.org/drawingml/2006/main" xmlns:r="http://schemas.openxmlformats.org/officeDocument/2006/relationships" xmlns:ac="http://schemas.microsoft.com/office/drawing/2013/main/command" xmlns:pc="http://schemas.microsoft.com/office/powerpoint/2013/main/command">
+  <pc:docChgLst>
+    <pc:chgData name="Martin Damianov" userId="cd368bb1e8f4d541" providerId="LiveId" clId="{B9D9906B-255A-4671-97AE-2832D081F562}"/>
+    <pc:docChg chg="modSld">
+      <pc:chgData name="Martin Damianov" userId="cd368bb1e8f4d541" providerId="LiveId" clId="{B9D9906B-255A-4671-97AE-2832D081F562}" dt="2019-03-17T06:48:03.126" v="216" actId="20577"/>
+      <pc:docMkLst>
+        <pc:docMk/>
+      </pc:docMkLst>
+      <pc:sldChg chg="delSp modSp">
+        <pc:chgData name="Martin Damianov" userId="cd368bb1e8f4d541" providerId="LiveId" clId="{B9D9906B-255A-4671-97AE-2832D081F562}" dt="2019-03-17T06:38:29.298" v="197" actId="20577"/>
+        <pc:sldMkLst>
+          <pc:docMk/>
+          <pc:sldMk cId="4083267579" sldId="263"/>
+        </pc:sldMkLst>
+        <pc:spChg chg="mod">
+          <ac:chgData name="Martin Damianov" userId="cd368bb1e8f4d541" providerId="LiveId" clId="{B9D9906B-255A-4671-97AE-2832D081F562}" dt="2019-03-17T06:38:29.298" v="197" actId="20577"/>
+          <ac:spMkLst>
+            <pc:docMk/>
+            <pc:sldMk cId="4083267579" sldId="263"/>
+            <ac:spMk id="3" creationId="{00000000-0000-0000-0000-000000000000}"/>
+          </ac:spMkLst>
+        </pc:spChg>
+        <pc:graphicFrameChg chg="del">
+          <ac:chgData name="Martin Damianov" userId="cd368bb1e8f4d541" providerId="LiveId" clId="{B9D9906B-255A-4671-97AE-2832D081F562}" dt="2019-03-17T06:36:26.756" v="48"/>
+          <ac:graphicFrameMkLst>
+            <pc:docMk/>
+            <pc:sldMk cId="4083267579" sldId="263"/>
+            <ac:graphicFrameMk id="4" creationId="{69A208F1-7579-4935-90A3-9BADC4D37410}"/>
+          </ac:graphicFrameMkLst>
+        </pc:graphicFrameChg>
+      </pc:sldChg>
+      <pc:sldChg chg="modSp">
+        <pc:chgData name="Martin Damianov" userId="cd368bb1e8f4d541" providerId="LiveId" clId="{B9D9906B-255A-4671-97AE-2832D081F562}" dt="2019-03-17T06:48:03.126" v="216" actId="20577"/>
+        <pc:sldMkLst>
+          <pc:docMk/>
+          <pc:sldMk cId="3215249010" sldId="266"/>
+        </pc:sldMkLst>
+        <pc:spChg chg="mod">
+          <ac:chgData name="Martin Damianov" userId="cd368bb1e8f4d541" providerId="LiveId" clId="{B9D9906B-255A-4671-97AE-2832D081F562}" dt="2019-03-17T06:48:03.126" v="216" actId="20577"/>
+          <ac:spMkLst>
+            <pc:docMk/>
+            <pc:sldMk cId="3215249010" sldId="266"/>
+            <ac:spMk id="3" creationId="{00000000-0000-0000-0000-000000000000}"/>
+          </ac:spMkLst>
+        </pc:spChg>
+      </pc:sldChg>
+    </pc:docChg>
+  </pc:docChgLst>
+</pc:chgInfo>
 </file>
 
 <file path=ppt/slideLayouts/slideLayout1.xml><?xml version="1.0" encoding="utf-8"?>
@@ -135,7 +203,7 @@
           <p:cNvPr id="2" name="Заглавие 1">
             <a:extLst>
               <a:ext uri="{FF2B5EF4-FFF2-40B4-BE49-F238E27FC236}">
-                <a16:creationId xmlns:a16="http://schemas.microsoft.com/office/drawing/2014/main" xmlns="" id="{C959985B-9BA5-4968-8534-931D5CC322EF}"/>
+                <a16:creationId xmlns:a16="http://schemas.microsoft.com/office/drawing/2014/main" id="{C959985B-9BA5-4968-8534-931D5CC322EF}"/>
               </a:ext>
             </a:extLst>
           </p:cNvPr>
@@ -172,7 +240,7 @@
           <p:cNvPr id="3" name="Подзаглавие 2">
             <a:extLst>
               <a:ext uri="{FF2B5EF4-FFF2-40B4-BE49-F238E27FC236}">
-                <a16:creationId xmlns:a16="http://schemas.microsoft.com/office/drawing/2014/main" xmlns="" id="{6EBD1960-8EAF-4C6D-B0C5-E21F52A4FE32}"/>
+                <a16:creationId xmlns:a16="http://schemas.microsoft.com/office/drawing/2014/main" id="{6EBD1960-8EAF-4C6D-B0C5-E21F52A4FE32}"/>
               </a:ext>
             </a:extLst>
           </p:cNvPr>
@@ -242,7 +310,7 @@
           <p:cNvPr id="4" name="Контейнер за дата 3">
             <a:extLst>
               <a:ext uri="{FF2B5EF4-FFF2-40B4-BE49-F238E27FC236}">
-                <a16:creationId xmlns:a16="http://schemas.microsoft.com/office/drawing/2014/main" xmlns="" id="{71AA9765-13E0-44B6-AD29-1EDD3FF3702B}"/>
+                <a16:creationId xmlns:a16="http://schemas.microsoft.com/office/drawing/2014/main" id="{71AA9765-13E0-44B6-AD29-1EDD3FF3702B}"/>
               </a:ext>
             </a:extLst>
           </p:cNvPr>
@@ -271,7 +339,7 @@
           <p:cNvPr id="5" name="Контейнер за долния колонтитул 4">
             <a:extLst>
               <a:ext uri="{FF2B5EF4-FFF2-40B4-BE49-F238E27FC236}">
-                <a16:creationId xmlns:a16="http://schemas.microsoft.com/office/drawing/2014/main" xmlns="" id="{E206172D-8583-47B4-A9D5-BCD721493831}"/>
+                <a16:creationId xmlns:a16="http://schemas.microsoft.com/office/drawing/2014/main" id="{E206172D-8583-47B4-A9D5-BCD721493831}"/>
               </a:ext>
             </a:extLst>
           </p:cNvPr>
@@ -296,7 +364,7 @@
           <p:cNvPr id="6" name="Контейнер за номер на слайда 5">
             <a:extLst>
               <a:ext uri="{FF2B5EF4-FFF2-40B4-BE49-F238E27FC236}">
-                <a16:creationId xmlns:a16="http://schemas.microsoft.com/office/drawing/2014/main" xmlns="" id="{324F3F41-2693-452F-9180-C939D0E8DDCA}"/>
+                <a16:creationId xmlns:a16="http://schemas.microsoft.com/office/drawing/2014/main" id="{324F3F41-2693-452F-9180-C939D0E8DDCA}"/>
               </a:ext>
             </a:extLst>
           </p:cNvPr>
@@ -355,7 +423,7 @@
           <p:cNvPr id="2" name="Заглавие 1">
             <a:extLst>
               <a:ext uri="{FF2B5EF4-FFF2-40B4-BE49-F238E27FC236}">
-                <a16:creationId xmlns:a16="http://schemas.microsoft.com/office/drawing/2014/main" xmlns="" id="{7F3A28D3-6A54-419E-995E-DD93876E4566}"/>
+                <a16:creationId xmlns:a16="http://schemas.microsoft.com/office/drawing/2014/main" id="{7F3A28D3-6A54-419E-995E-DD93876E4566}"/>
               </a:ext>
             </a:extLst>
           </p:cNvPr>
@@ -383,7 +451,7 @@
           <p:cNvPr id="3" name="Контейнер за вертикален текст 2">
             <a:extLst>
               <a:ext uri="{FF2B5EF4-FFF2-40B4-BE49-F238E27FC236}">
-                <a16:creationId xmlns:a16="http://schemas.microsoft.com/office/drawing/2014/main" xmlns="" id="{2DE14E0E-5866-491F-B52E-534D0B02BDCD}"/>
+                <a16:creationId xmlns:a16="http://schemas.microsoft.com/office/drawing/2014/main" id="{2DE14E0E-5866-491F-B52E-534D0B02BDCD}"/>
               </a:ext>
             </a:extLst>
           </p:cNvPr>
@@ -440,7 +508,7 @@
           <p:cNvPr id="4" name="Контейнер за дата 3">
             <a:extLst>
               <a:ext uri="{FF2B5EF4-FFF2-40B4-BE49-F238E27FC236}">
-                <a16:creationId xmlns:a16="http://schemas.microsoft.com/office/drawing/2014/main" xmlns="" id="{E7B776F0-16ED-4965-8D2A-34B15942288F}"/>
+                <a16:creationId xmlns:a16="http://schemas.microsoft.com/office/drawing/2014/main" id="{E7B776F0-16ED-4965-8D2A-34B15942288F}"/>
               </a:ext>
             </a:extLst>
           </p:cNvPr>
@@ -469,7 +537,7 @@
           <p:cNvPr id="5" name="Контейнер за долния колонтитул 4">
             <a:extLst>
               <a:ext uri="{FF2B5EF4-FFF2-40B4-BE49-F238E27FC236}">
-                <a16:creationId xmlns:a16="http://schemas.microsoft.com/office/drawing/2014/main" xmlns="" id="{C418C2CC-7E5E-48A8-85AA-67D054177C25}"/>
+                <a16:creationId xmlns:a16="http://schemas.microsoft.com/office/drawing/2014/main" id="{C418C2CC-7E5E-48A8-85AA-67D054177C25}"/>
               </a:ext>
             </a:extLst>
           </p:cNvPr>
@@ -494,7 +562,7 @@
           <p:cNvPr id="6" name="Контейнер за номер на слайда 5">
             <a:extLst>
               <a:ext uri="{FF2B5EF4-FFF2-40B4-BE49-F238E27FC236}">
-                <a16:creationId xmlns:a16="http://schemas.microsoft.com/office/drawing/2014/main" xmlns="" id="{E818BBBA-4B3E-47AC-8549-9FE9E85B9484}"/>
+                <a16:creationId xmlns:a16="http://schemas.microsoft.com/office/drawing/2014/main" id="{E818BBBA-4B3E-47AC-8549-9FE9E85B9484}"/>
               </a:ext>
             </a:extLst>
           </p:cNvPr>
@@ -553,7 +621,7 @@
           <p:cNvPr id="2" name="Вертикално заглавие 1">
             <a:extLst>
               <a:ext uri="{FF2B5EF4-FFF2-40B4-BE49-F238E27FC236}">
-                <a16:creationId xmlns:a16="http://schemas.microsoft.com/office/drawing/2014/main" xmlns="" id="{CE9B46E2-26DC-4E15-AD66-70340285FFEB}"/>
+                <a16:creationId xmlns:a16="http://schemas.microsoft.com/office/drawing/2014/main" id="{CE9B46E2-26DC-4E15-AD66-70340285FFEB}"/>
               </a:ext>
             </a:extLst>
           </p:cNvPr>
@@ -586,7 +654,7 @@
           <p:cNvPr id="3" name="Контейнер за вертикален текст 2">
             <a:extLst>
               <a:ext uri="{FF2B5EF4-FFF2-40B4-BE49-F238E27FC236}">
-                <a16:creationId xmlns:a16="http://schemas.microsoft.com/office/drawing/2014/main" xmlns="" id="{B64C7284-DB0C-4455-80D9-C025EA052933}"/>
+                <a16:creationId xmlns:a16="http://schemas.microsoft.com/office/drawing/2014/main" id="{B64C7284-DB0C-4455-80D9-C025EA052933}"/>
               </a:ext>
             </a:extLst>
           </p:cNvPr>
@@ -648,7 +716,7 @@
           <p:cNvPr id="4" name="Контейнер за дата 3">
             <a:extLst>
               <a:ext uri="{FF2B5EF4-FFF2-40B4-BE49-F238E27FC236}">
-                <a16:creationId xmlns:a16="http://schemas.microsoft.com/office/drawing/2014/main" xmlns="" id="{AA021921-2ADA-4DFB-B7D7-641D8E3A9780}"/>
+                <a16:creationId xmlns:a16="http://schemas.microsoft.com/office/drawing/2014/main" id="{AA021921-2ADA-4DFB-B7D7-641D8E3A9780}"/>
               </a:ext>
             </a:extLst>
           </p:cNvPr>
@@ -677,7 +745,7 @@
           <p:cNvPr id="5" name="Контейнер за долния колонтитул 4">
             <a:extLst>
               <a:ext uri="{FF2B5EF4-FFF2-40B4-BE49-F238E27FC236}">
-                <a16:creationId xmlns:a16="http://schemas.microsoft.com/office/drawing/2014/main" xmlns="" id="{267579E7-0519-4718-881A-F07096490E86}"/>
+                <a16:creationId xmlns:a16="http://schemas.microsoft.com/office/drawing/2014/main" id="{267579E7-0519-4718-881A-F07096490E86}"/>
               </a:ext>
             </a:extLst>
           </p:cNvPr>
@@ -702,7 +770,7 @@
           <p:cNvPr id="6" name="Контейнер за номер на слайда 5">
             <a:extLst>
               <a:ext uri="{FF2B5EF4-FFF2-40B4-BE49-F238E27FC236}">
-                <a16:creationId xmlns:a16="http://schemas.microsoft.com/office/drawing/2014/main" xmlns="" id="{EB6764D4-0283-4523-87A0-47961772BC4C}"/>
+                <a16:creationId xmlns:a16="http://schemas.microsoft.com/office/drawing/2014/main" id="{EB6764D4-0283-4523-87A0-47961772BC4C}"/>
               </a:ext>
             </a:extLst>
           </p:cNvPr>
@@ -761,7 +829,7 @@
           <p:cNvPr id="2" name="Заглавие 1">
             <a:extLst>
               <a:ext uri="{FF2B5EF4-FFF2-40B4-BE49-F238E27FC236}">
-                <a16:creationId xmlns:a16="http://schemas.microsoft.com/office/drawing/2014/main" xmlns="" id="{B90A10EF-1BD5-4240-9D66-B34899CBBB54}"/>
+                <a16:creationId xmlns:a16="http://schemas.microsoft.com/office/drawing/2014/main" id="{B90A10EF-1BD5-4240-9D66-B34899CBBB54}"/>
               </a:ext>
             </a:extLst>
           </p:cNvPr>
@@ -789,7 +857,7 @@
           <p:cNvPr id="3" name="Контейнер за съдържание 2">
             <a:extLst>
               <a:ext uri="{FF2B5EF4-FFF2-40B4-BE49-F238E27FC236}">
-                <a16:creationId xmlns:a16="http://schemas.microsoft.com/office/drawing/2014/main" xmlns="" id="{7C0C95D0-AA36-4099-9F38-E6F01EEB8DBC}"/>
+                <a16:creationId xmlns:a16="http://schemas.microsoft.com/office/drawing/2014/main" id="{7C0C95D0-AA36-4099-9F38-E6F01EEB8DBC}"/>
               </a:ext>
             </a:extLst>
           </p:cNvPr>
@@ -846,7 +914,7 @@
           <p:cNvPr id="4" name="Контейнер за дата 3">
             <a:extLst>
               <a:ext uri="{FF2B5EF4-FFF2-40B4-BE49-F238E27FC236}">
-                <a16:creationId xmlns:a16="http://schemas.microsoft.com/office/drawing/2014/main" xmlns="" id="{404D7865-709E-4D92-876E-1367DDEEF8D8}"/>
+                <a16:creationId xmlns:a16="http://schemas.microsoft.com/office/drawing/2014/main" id="{404D7865-709E-4D92-876E-1367DDEEF8D8}"/>
               </a:ext>
             </a:extLst>
           </p:cNvPr>
@@ -875,7 +943,7 @@
           <p:cNvPr id="5" name="Контейнер за долния колонтитул 4">
             <a:extLst>
               <a:ext uri="{FF2B5EF4-FFF2-40B4-BE49-F238E27FC236}">
-                <a16:creationId xmlns:a16="http://schemas.microsoft.com/office/drawing/2014/main" xmlns="" id="{DA6CC737-E5FE-43B5-A6CF-97719E570A4B}"/>
+                <a16:creationId xmlns:a16="http://schemas.microsoft.com/office/drawing/2014/main" id="{DA6CC737-E5FE-43B5-A6CF-97719E570A4B}"/>
               </a:ext>
             </a:extLst>
           </p:cNvPr>
@@ -900,7 +968,7 @@
           <p:cNvPr id="6" name="Контейнер за номер на слайда 5">
             <a:extLst>
               <a:ext uri="{FF2B5EF4-FFF2-40B4-BE49-F238E27FC236}">
-                <a16:creationId xmlns:a16="http://schemas.microsoft.com/office/drawing/2014/main" xmlns="" id="{E0535509-FC85-4D32-9254-F9AFBDDC44FA}"/>
+                <a16:creationId xmlns:a16="http://schemas.microsoft.com/office/drawing/2014/main" id="{E0535509-FC85-4D32-9254-F9AFBDDC44FA}"/>
               </a:ext>
             </a:extLst>
           </p:cNvPr>
@@ -959,7 +1027,7 @@
           <p:cNvPr id="2" name="Заглавие 1">
             <a:extLst>
               <a:ext uri="{FF2B5EF4-FFF2-40B4-BE49-F238E27FC236}">
-                <a16:creationId xmlns:a16="http://schemas.microsoft.com/office/drawing/2014/main" xmlns="" id="{361A151C-CB73-42EC-8244-D379F11DBC89}"/>
+                <a16:creationId xmlns:a16="http://schemas.microsoft.com/office/drawing/2014/main" id="{361A151C-CB73-42EC-8244-D379F11DBC89}"/>
               </a:ext>
             </a:extLst>
           </p:cNvPr>
@@ -996,7 +1064,7 @@
           <p:cNvPr id="3" name="Текстов контейнер 2">
             <a:extLst>
               <a:ext uri="{FF2B5EF4-FFF2-40B4-BE49-F238E27FC236}">
-                <a16:creationId xmlns:a16="http://schemas.microsoft.com/office/drawing/2014/main" xmlns="" id="{36E8B56F-7FEF-441A-9C4A-EA3757798638}"/>
+                <a16:creationId xmlns:a16="http://schemas.microsoft.com/office/drawing/2014/main" id="{36E8B56F-7FEF-441A-9C4A-EA3757798638}"/>
               </a:ext>
             </a:extLst>
           </p:cNvPr>
@@ -1121,7 +1189,7 @@
           <p:cNvPr id="4" name="Контейнер за дата 3">
             <a:extLst>
               <a:ext uri="{FF2B5EF4-FFF2-40B4-BE49-F238E27FC236}">
-                <a16:creationId xmlns:a16="http://schemas.microsoft.com/office/drawing/2014/main" xmlns="" id="{C7DDA108-42BF-4EE2-B44E-A552AC3CFAB8}"/>
+                <a16:creationId xmlns:a16="http://schemas.microsoft.com/office/drawing/2014/main" id="{C7DDA108-42BF-4EE2-B44E-A552AC3CFAB8}"/>
               </a:ext>
             </a:extLst>
           </p:cNvPr>
@@ -1150,7 +1218,7 @@
           <p:cNvPr id="5" name="Контейнер за долния колонтитул 4">
             <a:extLst>
               <a:ext uri="{FF2B5EF4-FFF2-40B4-BE49-F238E27FC236}">
-                <a16:creationId xmlns:a16="http://schemas.microsoft.com/office/drawing/2014/main" xmlns="" id="{C3AB99F3-8D68-40E1-9C50-5C632D3AA81A}"/>
+                <a16:creationId xmlns:a16="http://schemas.microsoft.com/office/drawing/2014/main" id="{C3AB99F3-8D68-40E1-9C50-5C632D3AA81A}"/>
               </a:ext>
             </a:extLst>
           </p:cNvPr>
@@ -1175,7 +1243,7 @@
           <p:cNvPr id="6" name="Контейнер за номер на слайда 5">
             <a:extLst>
               <a:ext uri="{FF2B5EF4-FFF2-40B4-BE49-F238E27FC236}">
-                <a16:creationId xmlns:a16="http://schemas.microsoft.com/office/drawing/2014/main" xmlns="" id="{AB2EA1B1-18A8-4388-962E-C2E3C675009C}"/>
+                <a16:creationId xmlns:a16="http://schemas.microsoft.com/office/drawing/2014/main" id="{AB2EA1B1-18A8-4388-962E-C2E3C675009C}"/>
               </a:ext>
             </a:extLst>
           </p:cNvPr>
@@ -1234,7 +1302,7 @@
           <p:cNvPr id="2" name="Заглавие 1">
             <a:extLst>
               <a:ext uri="{FF2B5EF4-FFF2-40B4-BE49-F238E27FC236}">
-                <a16:creationId xmlns:a16="http://schemas.microsoft.com/office/drawing/2014/main" xmlns="" id="{0F339E95-2F3B-4222-BA75-107AC393AB39}"/>
+                <a16:creationId xmlns:a16="http://schemas.microsoft.com/office/drawing/2014/main" id="{0F339E95-2F3B-4222-BA75-107AC393AB39}"/>
               </a:ext>
             </a:extLst>
           </p:cNvPr>
@@ -1262,7 +1330,7 @@
           <p:cNvPr id="3" name="Контейнер за съдържание 2">
             <a:extLst>
               <a:ext uri="{FF2B5EF4-FFF2-40B4-BE49-F238E27FC236}">
-                <a16:creationId xmlns:a16="http://schemas.microsoft.com/office/drawing/2014/main" xmlns="" id="{E0CAFE65-D35D-4BDC-BEC7-6FDFA38F0DE4}"/>
+                <a16:creationId xmlns:a16="http://schemas.microsoft.com/office/drawing/2014/main" id="{E0CAFE65-D35D-4BDC-BEC7-6FDFA38F0DE4}"/>
               </a:ext>
             </a:extLst>
           </p:cNvPr>
@@ -1324,7 +1392,7 @@
           <p:cNvPr id="4" name="Контейнер за съдържание 3">
             <a:extLst>
               <a:ext uri="{FF2B5EF4-FFF2-40B4-BE49-F238E27FC236}">
-                <a16:creationId xmlns:a16="http://schemas.microsoft.com/office/drawing/2014/main" xmlns="" id="{53CA7B08-A3AF-49C7-92D6-06E1C98BA482}"/>
+                <a16:creationId xmlns:a16="http://schemas.microsoft.com/office/drawing/2014/main" id="{53CA7B08-A3AF-49C7-92D6-06E1C98BA482}"/>
               </a:ext>
             </a:extLst>
           </p:cNvPr>
@@ -1386,7 +1454,7 @@
           <p:cNvPr id="5" name="Контейнер за дата 4">
             <a:extLst>
               <a:ext uri="{FF2B5EF4-FFF2-40B4-BE49-F238E27FC236}">
-                <a16:creationId xmlns:a16="http://schemas.microsoft.com/office/drawing/2014/main" xmlns="" id="{45E870E7-C3A3-4388-A54B-6CC1118B5B74}"/>
+                <a16:creationId xmlns:a16="http://schemas.microsoft.com/office/drawing/2014/main" id="{45E870E7-C3A3-4388-A54B-6CC1118B5B74}"/>
               </a:ext>
             </a:extLst>
           </p:cNvPr>
@@ -1415,7 +1483,7 @@
           <p:cNvPr id="6" name="Контейнер за долния колонтитул 5">
             <a:extLst>
               <a:ext uri="{FF2B5EF4-FFF2-40B4-BE49-F238E27FC236}">
-                <a16:creationId xmlns:a16="http://schemas.microsoft.com/office/drawing/2014/main" xmlns="" id="{82A80CE2-4427-4565-98C3-2078E141E0D7}"/>
+                <a16:creationId xmlns:a16="http://schemas.microsoft.com/office/drawing/2014/main" id="{82A80CE2-4427-4565-98C3-2078E141E0D7}"/>
               </a:ext>
             </a:extLst>
           </p:cNvPr>
@@ -1440,7 +1508,7 @@
           <p:cNvPr id="7" name="Контейнер за номер на слайда 6">
             <a:extLst>
               <a:ext uri="{FF2B5EF4-FFF2-40B4-BE49-F238E27FC236}">
-                <a16:creationId xmlns:a16="http://schemas.microsoft.com/office/drawing/2014/main" xmlns="" id="{DCBA9209-2878-41F6-849B-2C67EF57825D}"/>
+                <a16:creationId xmlns:a16="http://schemas.microsoft.com/office/drawing/2014/main" id="{DCBA9209-2878-41F6-849B-2C67EF57825D}"/>
               </a:ext>
             </a:extLst>
           </p:cNvPr>
@@ -1499,7 +1567,7 @@
           <p:cNvPr id="2" name="Заглавие 1">
             <a:extLst>
               <a:ext uri="{FF2B5EF4-FFF2-40B4-BE49-F238E27FC236}">
-                <a16:creationId xmlns:a16="http://schemas.microsoft.com/office/drawing/2014/main" xmlns="" id="{0012830E-DF30-4CD9-8F7D-61AB552F6ED9}"/>
+                <a16:creationId xmlns:a16="http://schemas.microsoft.com/office/drawing/2014/main" id="{0012830E-DF30-4CD9-8F7D-61AB552F6ED9}"/>
               </a:ext>
             </a:extLst>
           </p:cNvPr>
@@ -1532,7 +1600,7 @@
           <p:cNvPr id="3" name="Текстов контейнер 2">
             <a:extLst>
               <a:ext uri="{FF2B5EF4-FFF2-40B4-BE49-F238E27FC236}">
-                <a16:creationId xmlns:a16="http://schemas.microsoft.com/office/drawing/2014/main" xmlns="" id="{E97C0987-DDA1-41D0-949E-C7C3B519483B}"/>
+                <a16:creationId xmlns:a16="http://schemas.microsoft.com/office/drawing/2014/main" id="{E97C0987-DDA1-41D0-949E-C7C3B519483B}"/>
               </a:ext>
             </a:extLst>
           </p:cNvPr>
@@ -1603,7 +1671,7 @@
           <p:cNvPr id="4" name="Контейнер за съдържание 3">
             <a:extLst>
               <a:ext uri="{FF2B5EF4-FFF2-40B4-BE49-F238E27FC236}">
-                <a16:creationId xmlns:a16="http://schemas.microsoft.com/office/drawing/2014/main" xmlns="" id="{A2139389-BE7F-40A1-A87E-885BF2D16561}"/>
+                <a16:creationId xmlns:a16="http://schemas.microsoft.com/office/drawing/2014/main" id="{A2139389-BE7F-40A1-A87E-885BF2D16561}"/>
               </a:ext>
             </a:extLst>
           </p:cNvPr>
@@ -1665,7 +1733,7 @@
           <p:cNvPr id="5" name="Текстов контейнер 4">
             <a:extLst>
               <a:ext uri="{FF2B5EF4-FFF2-40B4-BE49-F238E27FC236}">
-                <a16:creationId xmlns:a16="http://schemas.microsoft.com/office/drawing/2014/main" xmlns="" id="{0ABC6F07-CD0A-439F-A5A7-ABE1796F8C41}"/>
+                <a16:creationId xmlns:a16="http://schemas.microsoft.com/office/drawing/2014/main" id="{0ABC6F07-CD0A-439F-A5A7-ABE1796F8C41}"/>
               </a:ext>
             </a:extLst>
           </p:cNvPr>
@@ -1736,7 +1804,7 @@
           <p:cNvPr id="6" name="Контейнер за съдържание 5">
             <a:extLst>
               <a:ext uri="{FF2B5EF4-FFF2-40B4-BE49-F238E27FC236}">
-                <a16:creationId xmlns:a16="http://schemas.microsoft.com/office/drawing/2014/main" xmlns="" id="{247DE0A9-2056-4929-98EF-6C1D6D26DC82}"/>
+                <a16:creationId xmlns:a16="http://schemas.microsoft.com/office/drawing/2014/main" id="{247DE0A9-2056-4929-98EF-6C1D6D26DC82}"/>
               </a:ext>
             </a:extLst>
           </p:cNvPr>
@@ -1798,7 +1866,7 @@
           <p:cNvPr id="7" name="Контейнер за дата 6">
             <a:extLst>
               <a:ext uri="{FF2B5EF4-FFF2-40B4-BE49-F238E27FC236}">
-                <a16:creationId xmlns:a16="http://schemas.microsoft.com/office/drawing/2014/main" xmlns="" id="{453D3391-EF96-4522-8046-80A735022C93}"/>
+                <a16:creationId xmlns:a16="http://schemas.microsoft.com/office/drawing/2014/main" id="{453D3391-EF96-4522-8046-80A735022C93}"/>
               </a:ext>
             </a:extLst>
           </p:cNvPr>
@@ -1827,7 +1895,7 @@
           <p:cNvPr id="8" name="Контейнер за долния колонтитул 7">
             <a:extLst>
               <a:ext uri="{FF2B5EF4-FFF2-40B4-BE49-F238E27FC236}">
-                <a16:creationId xmlns:a16="http://schemas.microsoft.com/office/drawing/2014/main" xmlns="" id="{F86A77DF-A06A-46FA-8635-F6A63C0665BF}"/>
+                <a16:creationId xmlns:a16="http://schemas.microsoft.com/office/drawing/2014/main" id="{F86A77DF-A06A-46FA-8635-F6A63C0665BF}"/>
               </a:ext>
             </a:extLst>
           </p:cNvPr>
@@ -1852,7 +1920,7 @@
           <p:cNvPr id="9" name="Контейнер за номер на слайда 8">
             <a:extLst>
               <a:ext uri="{FF2B5EF4-FFF2-40B4-BE49-F238E27FC236}">
-                <a16:creationId xmlns:a16="http://schemas.microsoft.com/office/drawing/2014/main" xmlns="" id="{006EB92B-52F4-49D8-B882-F4B8CB05251F}"/>
+                <a16:creationId xmlns:a16="http://schemas.microsoft.com/office/drawing/2014/main" id="{006EB92B-52F4-49D8-B882-F4B8CB05251F}"/>
               </a:ext>
             </a:extLst>
           </p:cNvPr>
@@ -1911,7 +1979,7 @@
           <p:cNvPr id="2" name="Заглавие 1">
             <a:extLst>
               <a:ext uri="{FF2B5EF4-FFF2-40B4-BE49-F238E27FC236}">
-                <a16:creationId xmlns:a16="http://schemas.microsoft.com/office/drawing/2014/main" xmlns="" id="{EB70E188-786B-4309-81FE-49D7A396DC98}"/>
+                <a16:creationId xmlns:a16="http://schemas.microsoft.com/office/drawing/2014/main" id="{EB70E188-786B-4309-81FE-49D7A396DC98}"/>
               </a:ext>
             </a:extLst>
           </p:cNvPr>
@@ -1939,7 +2007,7 @@
           <p:cNvPr id="3" name="Контейнер за дата 2">
             <a:extLst>
               <a:ext uri="{FF2B5EF4-FFF2-40B4-BE49-F238E27FC236}">
-                <a16:creationId xmlns:a16="http://schemas.microsoft.com/office/drawing/2014/main" xmlns="" id="{02717622-28F5-403F-840A-C924D47BC0C7}"/>
+                <a16:creationId xmlns:a16="http://schemas.microsoft.com/office/drawing/2014/main" id="{02717622-28F5-403F-840A-C924D47BC0C7}"/>
               </a:ext>
             </a:extLst>
           </p:cNvPr>
@@ -1968,7 +2036,7 @@
           <p:cNvPr id="4" name="Контейнер за долния колонтитул 3">
             <a:extLst>
               <a:ext uri="{FF2B5EF4-FFF2-40B4-BE49-F238E27FC236}">
-                <a16:creationId xmlns:a16="http://schemas.microsoft.com/office/drawing/2014/main" xmlns="" id="{1BE9A809-B482-4500-9996-7325A0BCC854}"/>
+                <a16:creationId xmlns:a16="http://schemas.microsoft.com/office/drawing/2014/main" id="{1BE9A809-B482-4500-9996-7325A0BCC854}"/>
               </a:ext>
             </a:extLst>
           </p:cNvPr>
@@ -1993,7 +2061,7 @@
           <p:cNvPr id="5" name="Контейнер за номер на слайда 4">
             <a:extLst>
               <a:ext uri="{FF2B5EF4-FFF2-40B4-BE49-F238E27FC236}">
-                <a16:creationId xmlns:a16="http://schemas.microsoft.com/office/drawing/2014/main" xmlns="" id="{DDF4237F-20EE-4933-B956-302CC3DECFB2}"/>
+                <a16:creationId xmlns:a16="http://schemas.microsoft.com/office/drawing/2014/main" id="{DDF4237F-20EE-4933-B956-302CC3DECFB2}"/>
               </a:ext>
             </a:extLst>
           </p:cNvPr>
@@ -2052,7 +2120,7 @@
           <p:cNvPr id="2" name="Контейнер за дата 1">
             <a:extLst>
               <a:ext uri="{FF2B5EF4-FFF2-40B4-BE49-F238E27FC236}">
-                <a16:creationId xmlns:a16="http://schemas.microsoft.com/office/drawing/2014/main" xmlns="" id="{9F960131-E13A-4C99-80F9-1267A8F98A06}"/>
+                <a16:creationId xmlns:a16="http://schemas.microsoft.com/office/drawing/2014/main" id="{9F960131-E13A-4C99-80F9-1267A8F98A06}"/>
               </a:ext>
             </a:extLst>
           </p:cNvPr>
@@ -2081,7 +2149,7 @@
           <p:cNvPr id="3" name="Контейнер за долния колонтитул 2">
             <a:extLst>
               <a:ext uri="{FF2B5EF4-FFF2-40B4-BE49-F238E27FC236}">
-                <a16:creationId xmlns:a16="http://schemas.microsoft.com/office/drawing/2014/main" xmlns="" id="{E543F2FF-76EA-4578-BE4E-1AF226FD0EF0}"/>
+                <a16:creationId xmlns:a16="http://schemas.microsoft.com/office/drawing/2014/main" id="{E543F2FF-76EA-4578-BE4E-1AF226FD0EF0}"/>
               </a:ext>
             </a:extLst>
           </p:cNvPr>
@@ -2106,7 +2174,7 @@
           <p:cNvPr id="4" name="Контейнер за номер на слайда 3">
             <a:extLst>
               <a:ext uri="{FF2B5EF4-FFF2-40B4-BE49-F238E27FC236}">
-                <a16:creationId xmlns:a16="http://schemas.microsoft.com/office/drawing/2014/main" xmlns="" id="{AD4738F7-11C0-42EF-B0F6-D2ABC548C2F5}"/>
+                <a16:creationId xmlns:a16="http://schemas.microsoft.com/office/drawing/2014/main" id="{AD4738F7-11C0-42EF-B0F6-D2ABC548C2F5}"/>
               </a:ext>
             </a:extLst>
           </p:cNvPr>
@@ -2165,7 +2233,7 @@
           <p:cNvPr id="2" name="Заглавие 1">
             <a:extLst>
               <a:ext uri="{FF2B5EF4-FFF2-40B4-BE49-F238E27FC236}">
-                <a16:creationId xmlns:a16="http://schemas.microsoft.com/office/drawing/2014/main" xmlns="" id="{DABFF09A-8F39-4167-BAF8-83531D773E0B}"/>
+                <a16:creationId xmlns:a16="http://schemas.microsoft.com/office/drawing/2014/main" id="{DABFF09A-8F39-4167-BAF8-83531D773E0B}"/>
               </a:ext>
             </a:extLst>
           </p:cNvPr>
@@ -2202,7 +2270,7 @@
           <p:cNvPr id="3" name="Контейнер за съдържание 2">
             <a:extLst>
               <a:ext uri="{FF2B5EF4-FFF2-40B4-BE49-F238E27FC236}">
-                <a16:creationId xmlns:a16="http://schemas.microsoft.com/office/drawing/2014/main" xmlns="" id="{4021F7EC-079E-41BA-8B11-5ADE00E0D70F}"/>
+                <a16:creationId xmlns:a16="http://schemas.microsoft.com/office/drawing/2014/main" id="{4021F7EC-079E-41BA-8B11-5ADE00E0D70F}"/>
               </a:ext>
             </a:extLst>
           </p:cNvPr>
@@ -2292,7 +2360,7 @@
           <p:cNvPr id="4" name="Текстов контейнер 3">
             <a:extLst>
               <a:ext uri="{FF2B5EF4-FFF2-40B4-BE49-F238E27FC236}">
-                <a16:creationId xmlns:a16="http://schemas.microsoft.com/office/drawing/2014/main" xmlns="" id="{67588C7F-283F-4949-86EC-0D3FB4E74989}"/>
+                <a16:creationId xmlns:a16="http://schemas.microsoft.com/office/drawing/2014/main" id="{67588C7F-283F-4949-86EC-0D3FB4E74989}"/>
               </a:ext>
             </a:extLst>
           </p:cNvPr>
@@ -2363,7 +2431,7 @@
           <p:cNvPr id="5" name="Контейнер за дата 4">
             <a:extLst>
               <a:ext uri="{FF2B5EF4-FFF2-40B4-BE49-F238E27FC236}">
-                <a16:creationId xmlns:a16="http://schemas.microsoft.com/office/drawing/2014/main" xmlns="" id="{8E5C1EC9-C84B-41EA-9EA4-AE8830C0C2B8}"/>
+                <a16:creationId xmlns:a16="http://schemas.microsoft.com/office/drawing/2014/main" id="{8E5C1EC9-C84B-41EA-9EA4-AE8830C0C2B8}"/>
               </a:ext>
             </a:extLst>
           </p:cNvPr>
@@ -2392,7 +2460,7 @@
           <p:cNvPr id="6" name="Контейнер за долния колонтитул 5">
             <a:extLst>
               <a:ext uri="{FF2B5EF4-FFF2-40B4-BE49-F238E27FC236}">
-                <a16:creationId xmlns:a16="http://schemas.microsoft.com/office/drawing/2014/main" xmlns="" id="{6C6E3B7A-A669-4A84-A9D9-BDD8FF5FC395}"/>
+                <a16:creationId xmlns:a16="http://schemas.microsoft.com/office/drawing/2014/main" id="{6C6E3B7A-A669-4A84-A9D9-BDD8FF5FC395}"/>
               </a:ext>
             </a:extLst>
           </p:cNvPr>
@@ -2417,7 +2485,7 @@
           <p:cNvPr id="7" name="Контейнер за номер на слайда 6">
             <a:extLst>
               <a:ext uri="{FF2B5EF4-FFF2-40B4-BE49-F238E27FC236}">
-                <a16:creationId xmlns:a16="http://schemas.microsoft.com/office/drawing/2014/main" xmlns="" id="{668D85F5-3E3F-48C6-9663-923FD59C45F5}"/>
+                <a16:creationId xmlns:a16="http://schemas.microsoft.com/office/drawing/2014/main" id="{668D85F5-3E3F-48C6-9663-923FD59C45F5}"/>
               </a:ext>
             </a:extLst>
           </p:cNvPr>
@@ -2476,7 +2544,7 @@
           <p:cNvPr id="2" name="Заглавие 1">
             <a:extLst>
               <a:ext uri="{FF2B5EF4-FFF2-40B4-BE49-F238E27FC236}">
-                <a16:creationId xmlns:a16="http://schemas.microsoft.com/office/drawing/2014/main" xmlns="" id="{A7D65542-21AE-4C03-94E8-063BC1AD3519}"/>
+                <a16:creationId xmlns:a16="http://schemas.microsoft.com/office/drawing/2014/main" id="{A7D65542-21AE-4C03-94E8-063BC1AD3519}"/>
               </a:ext>
             </a:extLst>
           </p:cNvPr>
@@ -2513,7 +2581,7 @@
           <p:cNvPr id="3" name="Контейнер за картина 2">
             <a:extLst>
               <a:ext uri="{FF2B5EF4-FFF2-40B4-BE49-F238E27FC236}">
-                <a16:creationId xmlns:a16="http://schemas.microsoft.com/office/drawing/2014/main" xmlns="" id="{832D5664-2EC8-4E0B-ADAE-EC4F8B6AAF52}"/>
+                <a16:creationId xmlns:a16="http://schemas.microsoft.com/office/drawing/2014/main" id="{832D5664-2EC8-4E0B-ADAE-EC4F8B6AAF52}"/>
               </a:ext>
             </a:extLst>
           </p:cNvPr>
@@ -2580,7 +2648,7 @@
           <p:cNvPr id="4" name="Текстов контейнер 3">
             <a:extLst>
               <a:ext uri="{FF2B5EF4-FFF2-40B4-BE49-F238E27FC236}">
-                <a16:creationId xmlns:a16="http://schemas.microsoft.com/office/drawing/2014/main" xmlns="" id="{BAA12D04-A1FD-4A92-8DC8-E036CC40729E}"/>
+                <a16:creationId xmlns:a16="http://schemas.microsoft.com/office/drawing/2014/main" id="{BAA12D04-A1FD-4A92-8DC8-E036CC40729E}"/>
               </a:ext>
             </a:extLst>
           </p:cNvPr>
@@ -2651,7 +2719,7 @@
           <p:cNvPr id="5" name="Контейнер за дата 4">
             <a:extLst>
               <a:ext uri="{FF2B5EF4-FFF2-40B4-BE49-F238E27FC236}">
-                <a16:creationId xmlns:a16="http://schemas.microsoft.com/office/drawing/2014/main" xmlns="" id="{29120107-3D6C-4C00-BC54-13848FFF21EB}"/>
+                <a16:creationId xmlns:a16="http://schemas.microsoft.com/office/drawing/2014/main" id="{29120107-3D6C-4C00-BC54-13848FFF21EB}"/>
               </a:ext>
             </a:extLst>
           </p:cNvPr>
@@ -2680,7 +2748,7 @@
           <p:cNvPr id="6" name="Контейнер за долния колонтитул 5">
             <a:extLst>
               <a:ext uri="{FF2B5EF4-FFF2-40B4-BE49-F238E27FC236}">
-                <a16:creationId xmlns:a16="http://schemas.microsoft.com/office/drawing/2014/main" xmlns="" id="{0BC791A5-EFEB-4C89-9EC8-7E0314DD5A23}"/>
+                <a16:creationId xmlns:a16="http://schemas.microsoft.com/office/drawing/2014/main" id="{0BC791A5-EFEB-4C89-9EC8-7E0314DD5A23}"/>
               </a:ext>
             </a:extLst>
           </p:cNvPr>
@@ -2705,7 +2773,7 @@
           <p:cNvPr id="7" name="Контейнер за номер на слайда 6">
             <a:extLst>
               <a:ext uri="{FF2B5EF4-FFF2-40B4-BE49-F238E27FC236}">
-                <a16:creationId xmlns:a16="http://schemas.microsoft.com/office/drawing/2014/main" xmlns="" id="{36C789C3-3A3B-407C-B2E7-A42758053E67}"/>
+                <a16:creationId xmlns:a16="http://schemas.microsoft.com/office/drawing/2014/main" id="{36C789C3-3A3B-407C-B2E7-A42758053E67}"/>
               </a:ext>
             </a:extLst>
           </p:cNvPr>
@@ -2778,7 +2846,7 @@
           <p:cNvPr id="2" name="Контейнер за заглавие 1">
             <a:extLst>
               <a:ext uri="{FF2B5EF4-FFF2-40B4-BE49-F238E27FC236}">
-                <a16:creationId xmlns:a16="http://schemas.microsoft.com/office/drawing/2014/main" xmlns="" id="{EE3E2492-6963-44CA-9BED-12D2BFC6775B}"/>
+                <a16:creationId xmlns:a16="http://schemas.microsoft.com/office/drawing/2014/main" id="{EE3E2492-6963-44CA-9BED-12D2BFC6775B}"/>
               </a:ext>
             </a:extLst>
           </p:cNvPr>
@@ -2816,7 +2884,7 @@
           <p:cNvPr id="3" name="Текстов контейнер 2">
             <a:extLst>
               <a:ext uri="{FF2B5EF4-FFF2-40B4-BE49-F238E27FC236}">
-                <a16:creationId xmlns:a16="http://schemas.microsoft.com/office/drawing/2014/main" xmlns="" id="{1B7571D1-972E-4990-AA6B-56B8D9A4D3B6}"/>
+                <a16:creationId xmlns:a16="http://schemas.microsoft.com/office/drawing/2014/main" id="{1B7571D1-972E-4990-AA6B-56B8D9A4D3B6}"/>
               </a:ext>
             </a:extLst>
           </p:cNvPr>
@@ -2883,7 +2951,7 @@
           <p:cNvPr id="4" name="Контейнер за дата 3">
             <a:extLst>
               <a:ext uri="{FF2B5EF4-FFF2-40B4-BE49-F238E27FC236}">
-                <a16:creationId xmlns:a16="http://schemas.microsoft.com/office/drawing/2014/main" xmlns="" id="{1853B9A7-3B6F-4BB8-914A-D6B2F3DD15C4}"/>
+                <a16:creationId xmlns:a16="http://schemas.microsoft.com/office/drawing/2014/main" id="{1853B9A7-3B6F-4BB8-914A-D6B2F3DD15C4}"/>
               </a:ext>
             </a:extLst>
           </p:cNvPr>
@@ -2930,7 +2998,7 @@
           <p:cNvPr id="5" name="Контейнер за долния колонтитул 4">
             <a:extLst>
               <a:ext uri="{FF2B5EF4-FFF2-40B4-BE49-F238E27FC236}">
-                <a16:creationId xmlns:a16="http://schemas.microsoft.com/office/drawing/2014/main" xmlns="" id="{93C90BFD-15ED-4A32-9BD0-444C8AAB5E5C}"/>
+                <a16:creationId xmlns:a16="http://schemas.microsoft.com/office/drawing/2014/main" id="{93C90BFD-15ED-4A32-9BD0-444C8AAB5E5C}"/>
               </a:ext>
             </a:extLst>
           </p:cNvPr>
@@ -2973,7 +3041,7 @@
           <p:cNvPr id="6" name="Контейнер за номер на слайда 5">
             <a:extLst>
               <a:ext uri="{FF2B5EF4-FFF2-40B4-BE49-F238E27FC236}">
-                <a16:creationId xmlns:a16="http://schemas.microsoft.com/office/drawing/2014/main" xmlns="" id="{30D23718-E372-4AEB-A172-540BCA86523C}"/>
+                <a16:creationId xmlns:a16="http://schemas.microsoft.com/office/drawing/2014/main" id="{30D23718-E372-4AEB-A172-540BCA86523C}"/>
               </a:ext>
             </a:extLst>
           </p:cNvPr>
@@ -3341,7 +3409,7 @@
           <p:cNvPr id="2" name="Заглавие 1">
             <a:extLst>
               <a:ext uri="{FF2B5EF4-FFF2-40B4-BE49-F238E27FC236}">
-                <a16:creationId xmlns:a16="http://schemas.microsoft.com/office/drawing/2014/main" xmlns="" id="{568818F5-245B-427D-BFA0-8CAE560D92AF}"/>
+                <a16:creationId xmlns:a16="http://schemas.microsoft.com/office/drawing/2014/main" id="{568818F5-245B-427D-BFA0-8CAE560D92AF}"/>
               </a:ext>
             </a:extLst>
           </p:cNvPr>
@@ -3370,7 +3438,7 @@
           <p:cNvPr id="3" name="Подзаглавие 2">
             <a:extLst>
               <a:ext uri="{FF2B5EF4-FFF2-40B4-BE49-F238E27FC236}">
-                <a16:creationId xmlns:a16="http://schemas.microsoft.com/office/drawing/2014/main" xmlns="" id="{B999CF87-348A-464E-B549-73812AB6E963}"/>
+                <a16:creationId xmlns:a16="http://schemas.microsoft.com/office/drawing/2014/main" id="{B999CF87-348A-464E-B549-73812AB6E963}"/>
               </a:ext>
             </a:extLst>
           </p:cNvPr>
@@ -3395,7 +3463,7 @@
           <p:cNvPr id="5" name="Картина 4">
             <a:extLst>
               <a:ext uri="{FF2B5EF4-FFF2-40B4-BE49-F238E27FC236}">
-                <a16:creationId xmlns:a16="http://schemas.microsoft.com/office/drawing/2014/main" xmlns="" id="{5D18B45F-D343-4CA1-90E8-C0E776B36FB9}"/>
+                <a16:creationId xmlns:a16="http://schemas.microsoft.com/office/drawing/2014/main" id="{5D18B45F-D343-4CA1-90E8-C0E776B36FB9}"/>
               </a:ext>
             </a:extLst>
           </p:cNvPr>
@@ -3431,7 +3499,7 @@
           <p:cNvPr id="6" name="Текстово поле 5">
             <a:extLst>
               <a:ext uri="{FF2B5EF4-FFF2-40B4-BE49-F238E27FC236}">
-                <a16:creationId xmlns:a16="http://schemas.microsoft.com/office/drawing/2014/main" xmlns="" id="{BF2EE64E-9757-4E63-8D7E-2185728645C3}"/>
+                <a16:creationId xmlns:a16="http://schemas.microsoft.com/office/drawing/2014/main" id="{BF2EE64E-9757-4E63-8D7E-2185728645C3}"/>
               </a:ext>
             </a:extLst>
           </p:cNvPr>
@@ -3456,18 +3524,17 @@
           <a:p>
             <a:pPr algn="ctr"/>
             <a:r>
-              <a:rPr lang="bg-BG" sz="6600" b="1" i="1" dirty="0" smtClean="0"/>
+              <a:rPr lang="bg-BG" sz="6600" b="1" i="1" dirty="0"/>
               <a:t>ПРЕВЕНЦИЯ</a:t>
             </a:r>
             <a:r>
-              <a:rPr lang="en-US" sz="6600" b="1" i="1" dirty="0" smtClean="0"/>
+              <a:rPr lang="en-US" sz="6600" b="1" i="1" dirty="0"/>
               <a:t> </a:t>
             </a:r>
             <a:r>
-              <a:rPr lang="bg-BG" sz="6600" b="1" i="1" dirty="0" smtClean="0"/>
+              <a:rPr lang="bg-BG" sz="6600" b="1" i="1" dirty="0"/>
               <a:t>на здравето</a:t>
             </a:r>
-            <a:endParaRPr lang="bg-BG" sz="6600" b="1" i="1" dirty="0"/>
           </a:p>
         </p:txBody>
       </p:sp>
@@ -3476,7 +3543,7 @@
           <p:cNvPr id="7" name="Текстово поле 6">
             <a:extLst>
               <a:ext uri="{FF2B5EF4-FFF2-40B4-BE49-F238E27FC236}">
-                <a16:creationId xmlns:a16="http://schemas.microsoft.com/office/drawing/2014/main" xmlns="" id="{410E06B9-C378-48FD-A88E-BC24499FF4E6}"/>
+                <a16:creationId xmlns:a16="http://schemas.microsoft.com/office/drawing/2014/main" id="{410E06B9-C378-48FD-A88E-BC24499FF4E6}"/>
               </a:ext>
             </a:extLst>
           </p:cNvPr>
@@ -3557,7 +3624,7 @@
           <p:cNvPr id="8" name="Картина 7">
             <a:extLst>
               <a:ext uri="{FF2B5EF4-FFF2-40B4-BE49-F238E27FC236}">
-                <a16:creationId xmlns:a16="http://schemas.microsoft.com/office/drawing/2014/main" xmlns="" id="{3652148C-07BC-49BF-9F9D-899B7EAC9647}"/>
+                <a16:creationId xmlns:a16="http://schemas.microsoft.com/office/drawing/2014/main" id="{3652148C-07BC-49BF-9F9D-899B7EAC9647}"/>
               </a:ext>
             </a:extLst>
           </p:cNvPr>
@@ -3593,7 +3660,7 @@
           <p:cNvPr id="10" name="Картина 9">
             <a:extLst>
               <a:ext uri="{FF2B5EF4-FFF2-40B4-BE49-F238E27FC236}">
-                <a16:creationId xmlns:a16="http://schemas.microsoft.com/office/drawing/2014/main" xmlns="" id="{FEBA252A-0D44-4420-BEFF-352A0A5AA1B1}"/>
+                <a16:creationId xmlns:a16="http://schemas.microsoft.com/office/drawing/2014/main" id="{FEBA252A-0D44-4420-BEFF-352A0A5AA1B1}"/>
               </a:ext>
             </a:extLst>
           </p:cNvPr>
@@ -3637,13 +3704,6 @@
   <p:transition spd="slow">
     <p:randomBar dir="vert"/>
   </p:transition>
-  <p:timing>
-    <p:tnLst>
-      <p:par>
-        <p:cTn id="1" dur="indefinite" restart="never" nodeType="tmRoot"/>
-      </p:par>
-    </p:tnLst>
-  </p:timing>
 </p:sld>
 </file>
 
@@ -3680,10 +3740,9 @@
           <a:lstStyle/>
           <a:p>
             <a:r>
-              <a:rPr lang="bg-BG" dirty="0" smtClean="0"/>
+              <a:rPr lang="bg-BG" dirty="0"/>
               <a:t>Участници в проекта</a:t>
             </a:r>
-            <a:endParaRPr lang="bg-BG" dirty="0"/>
           </a:p>
         </p:txBody>
       </p:sp>
@@ -3703,10 +3762,9 @@
           <a:lstStyle/>
           <a:p>
             <a:r>
-              <a:rPr lang="bg-BG" dirty="0" smtClean="0"/>
+              <a:rPr lang="bg-BG" dirty="0"/>
               <a:t>Мартин					</a:t>
             </a:r>
-            <a:endParaRPr lang="bg-BG" dirty="0"/>
           </a:p>
           <a:p>
             <a:r>
@@ -3770,7 +3828,7 @@
               <a:buChar char="•"/>
             </a:pPr>
             <a:r>
-              <a:rPr lang="en-US" sz="2800" dirty="0" smtClean="0"/>
+              <a:rPr lang="en-US" sz="2800" dirty="0"/>
               <a:t>JavaScript, HTML</a:t>
             </a:r>
           </a:p>
@@ -3783,7 +3841,7 @@
               <a:buChar char="•"/>
             </a:pPr>
             <a:r>
-              <a:rPr lang="en-US" sz="2800" dirty="0" smtClean="0"/>
+              <a:rPr lang="en-US" sz="2800" dirty="0"/>
               <a:t>HTML,CSS</a:t>
             </a:r>
           </a:p>
@@ -3796,7 +3854,7 @@
               <a:buChar char="•"/>
             </a:pPr>
             <a:r>
-              <a:rPr lang="en-US" sz="2800" dirty="0" smtClean="0"/>
+              <a:rPr lang="en-US" sz="2800" dirty="0"/>
               <a:t>HTML,CSS</a:t>
             </a:r>
           </a:p>
@@ -3809,10 +3867,10 @@
               <a:buChar char="•"/>
             </a:pPr>
             <a:r>
-              <a:rPr lang="en-US" sz="2800" dirty="0" err="1" smtClean="0"/>
+              <a:rPr lang="en-US" sz="2800" dirty="0" err="1"/>
               <a:t>JavaScript,HTML</a:t>
             </a:r>
-            <a:endParaRPr lang="en-US" sz="2800" dirty="0" smtClean="0"/>
+            <a:endParaRPr lang="en-US" sz="2800" dirty="0"/>
           </a:p>
           <a:p>
             <a:pPr marL="285750" indent="-285750">
@@ -3823,10 +3881,10 @@
               <a:buChar char="•"/>
             </a:pPr>
             <a:r>
-              <a:rPr lang="en-US" sz="2800" dirty="0" smtClean="0"/>
+              <a:rPr lang="en-US" sz="2800" dirty="0"/>
               <a:t>HTML,CSS</a:t>
             </a:r>
-            <a:endParaRPr lang="bg-BG" sz="2800" dirty="0" smtClean="0"/>
+            <a:endParaRPr lang="bg-BG" sz="2800" dirty="0"/>
           </a:p>
           <a:p>
             <a:endParaRPr lang="bg-BG" dirty="0"/>
@@ -3843,25 +3901,18 @@
   <p:clrMapOvr>
     <a:masterClrMapping/>
   </p:clrMapOvr>
-  <mc:AlternateContent xmlns:mc="http://schemas.openxmlformats.org/markup-compatibility/2006">
-    <mc:Choice xmlns:p14="http://schemas.microsoft.com/office/powerpoint/2010/main" Requires="p14">
+  <mc:AlternateContent xmlns:mc="http://schemas.openxmlformats.org/markup-compatibility/2006" xmlns:p14="http://schemas.microsoft.com/office/powerpoint/2010/main">
+    <mc:Choice Requires="p14">
       <p:transition spd="slow" p14:dur="1600">
         <p14:prism isInverted="1"/>
       </p:transition>
     </mc:Choice>
-    <mc:Fallback>
+    <mc:Fallback xmlns="">
       <p:transition spd="slow">
         <p:fade/>
       </p:transition>
     </mc:Fallback>
   </mc:AlternateContent>
-  <p:timing>
-    <p:tnLst>
-      <p:par>
-        <p:cTn id="1" dur="indefinite" restart="never" nodeType="tmRoot"/>
-      </p:par>
-    </p:tnLst>
-  </p:timing>
 </p:sld>
 </file>
 
@@ -3898,10 +3949,9 @@
           <a:lstStyle/>
           <a:p>
             <a:r>
-              <a:rPr lang="bg-BG" dirty="0" smtClean="0"/>
+              <a:rPr lang="bg-BG" dirty="0"/>
               <a:t>Проблем</a:t>
             </a:r>
-            <a:endParaRPr lang="bg-BG" dirty="0"/>
           </a:p>
         </p:txBody>
       </p:sp>
@@ -3922,13 +3972,8 @@
           <a:p>
             <a:r>
               <a:rPr lang="bg-BG" dirty="0"/>
-              <a:t>Забързани в своето ежедневие, загледани в развитието на технологиите, заети с усвояването на повече знания и умения, като че ли все по-малко обръщаме внимание на своето здраве</a:t>
-            </a:r>
-            <a:r>
-              <a:rPr lang="bg-BG" dirty="0" smtClean="0"/>
-              <a:t>.</a:t>
-            </a:r>
-            <a:endParaRPr lang="bg-BG" dirty="0"/>
+              <a:t>Забързани в своето ежедневие, загледани в развитието на технологиите, заети с усвояването на повече знания и умения, като че ли все по-малко обръщаме внимание на своето здраве.</a:t>
+            </a:r>
           </a:p>
           <a:p>
             <a:pPr marL="0" indent="0">
@@ -3938,12 +3983,8 @@
           </a:p>
           <a:p>
             <a:r>
-              <a:rPr lang="bg-BG" dirty="0" smtClean="0"/>
-              <a:t>Ние </a:t>
-            </a:r>
-            <a:r>
               <a:rPr lang="bg-BG" dirty="0"/>
-              <a:t>от </a:t>
+              <a:t>Ние от </a:t>
             </a:r>
             <a:r>
               <a:rPr lang="en-US" dirty="0"/>
@@ -3951,13 +3992,103 @@
             </a:r>
             <a:r>
               <a:rPr lang="bg-BG" dirty="0"/>
-              <a:t>решихме да помогнем на хората </a:t>
-            </a:r>
-          </a:p>
-          <a:p>
+              <a:t>решихме да помогнем на хората,                                      </a:t>
+            </a:r>
+            <a:r>
+              <a:rPr lang="ru-RU" dirty="0"/>
+              <a:t> </a:t>
+            </a:r>
+            <a:r>
+              <a:rPr lang="ru-RU" dirty="0" err="1"/>
+              <a:t>като</a:t>
+            </a:r>
+            <a:r>
+              <a:rPr lang="ru-RU" dirty="0"/>
+              <a:t> </a:t>
+            </a:r>
+            <a:r>
+              <a:rPr lang="ru-RU" dirty="0" err="1"/>
+              <a:t>създадохме</a:t>
+            </a:r>
+            <a:r>
+              <a:rPr lang="ru-RU" dirty="0"/>
+              <a:t> платформа, </a:t>
+            </a:r>
+            <a:r>
+              <a:rPr lang="ru-RU" dirty="0" err="1"/>
+              <a:t>която</a:t>
+            </a:r>
+            <a:r>
+              <a:rPr lang="ru-RU" dirty="0"/>
+              <a:t> </a:t>
+            </a:r>
+            <a:r>
+              <a:rPr lang="ru-RU" dirty="0" err="1"/>
+              <a:t>има</a:t>
+            </a:r>
+            <a:r>
+              <a:rPr lang="ru-RU" dirty="0"/>
+              <a:t> за цел                                          да </a:t>
+            </a:r>
+            <a:r>
+              <a:rPr lang="ru-RU" dirty="0" err="1"/>
+              <a:t>информира</a:t>
+            </a:r>
+            <a:r>
+              <a:rPr lang="ru-RU" dirty="0"/>
+              <a:t> </a:t>
+            </a:r>
+            <a:r>
+              <a:rPr lang="ru-RU" dirty="0" err="1"/>
+              <a:t>хората</a:t>
+            </a:r>
+            <a:r>
+              <a:rPr lang="ru-RU" dirty="0"/>
+              <a:t> за </a:t>
+            </a:r>
+            <a:r>
+              <a:rPr lang="ru-RU" dirty="0" err="1"/>
+              <a:t>зоболявания</a:t>
+            </a:r>
+            <a:r>
+              <a:rPr lang="ru-RU" dirty="0"/>
+              <a:t>, </a:t>
+            </a:r>
+            <a:r>
+              <a:rPr lang="ru-RU" dirty="0" err="1"/>
+              <a:t>които</a:t>
+            </a:r>
+            <a:r>
+              <a:rPr lang="ru-RU" dirty="0"/>
+              <a:t>                                </a:t>
+            </a:r>
+            <a:r>
+              <a:rPr lang="ru-RU" dirty="0" err="1"/>
+              <a:t>могат</a:t>
+            </a:r>
+            <a:r>
+              <a:rPr lang="ru-RU" dirty="0"/>
+              <a:t> да се </a:t>
+            </a:r>
+            <a:r>
+              <a:rPr lang="ru-RU" dirty="0" err="1"/>
+              <a:t>прояват</a:t>
+            </a:r>
+            <a:r>
+              <a:rPr lang="ru-RU" dirty="0"/>
+              <a:t> след </a:t>
+            </a:r>
+            <a:r>
+              <a:rPr lang="ru-RU" dirty="0" err="1"/>
+              <a:t>години</a:t>
+            </a:r>
+            <a:r>
+              <a:rPr lang="ru-RU" dirty="0"/>
+              <a:t>.</a:t>
+            </a:r>
             <a:r>
               <a:rPr lang="bg-BG" dirty="0"/>
-              <a:t>с приложение за превенция на тяхното здраве</a:t>
+              <a:t> </a:t>
             </a:r>
           </a:p>
         </p:txBody>
@@ -3967,7 +4098,7 @@
           <p:cNvPr id="5" name="Картина 10">
             <a:extLst>
               <a:ext uri="{FF2B5EF4-FFF2-40B4-BE49-F238E27FC236}">
-                <a16:creationId xmlns:a16="http://schemas.microsoft.com/office/drawing/2014/main" xmlns="" id="{3F03E7BC-E2E1-4C7E-A450-DA99C3B10607}"/>
+                <a16:creationId xmlns:a16="http://schemas.microsoft.com/office/drawing/2014/main" id="{3F03E7BC-E2E1-4C7E-A450-DA99C3B10607}"/>
               </a:ext>
             </a:extLst>
           </p:cNvPr>
@@ -4017,13 +4148,6 @@
   <p:transition spd="slow">
     <p:cover/>
   </p:transition>
-  <p:timing>
-    <p:tnLst>
-      <p:par>
-        <p:cTn id="1" dur="indefinite" restart="never" nodeType="tmRoot"/>
-      </p:par>
-    </p:tnLst>
-  </p:timing>
 </p:sld>
 </file>
 
@@ -4061,13 +4185,8 @@
           <a:p>
             <a:r>
               <a:rPr lang="bg-BG" dirty="0"/>
-              <a:t>Идеята е семпла…гениално семпла</a:t>
-            </a:r>
-            <a:r>
-              <a:rPr lang="bg-BG" dirty="0" smtClean="0"/>
-              <a:t>.</a:t>
-            </a:r>
-            <a:endParaRPr lang="bg-BG" dirty="0"/>
+              <a:t>Идеята е семпла…гениално семпла.</a:t>
+            </a:r>
           </a:p>
         </p:txBody>
       </p:sp>
@@ -4101,7 +4220,7 @@
           <p:cNvPr id="4" name="Картина 10">
             <a:extLst>
               <a:ext uri="{FF2B5EF4-FFF2-40B4-BE49-F238E27FC236}">
-                <a16:creationId xmlns:a16="http://schemas.microsoft.com/office/drawing/2014/main" xmlns="" id="{6668AD92-5453-479A-B85A-B43C94C6174D}"/>
+                <a16:creationId xmlns:a16="http://schemas.microsoft.com/office/drawing/2014/main" id="{6668AD92-5453-479A-B85A-B43C94C6174D}"/>
               </a:ext>
             </a:extLst>
           </p:cNvPr>
@@ -4148,25 +4267,18 @@
   <p:clrMapOvr>
     <a:masterClrMapping/>
   </p:clrMapOvr>
-  <mc:AlternateContent xmlns:mc="http://schemas.openxmlformats.org/markup-compatibility/2006">
-    <mc:Choice xmlns:p14="http://schemas.microsoft.com/office/powerpoint/2010/main" Requires="p14">
+  <mc:AlternateContent xmlns:mc="http://schemas.openxmlformats.org/markup-compatibility/2006" xmlns:p14="http://schemas.microsoft.com/office/powerpoint/2010/main">
+    <mc:Choice Requires="p14">
       <p:transition spd="slow" p14:dur="1600">
         <p14:gallery dir="l"/>
       </p:transition>
     </mc:Choice>
-    <mc:Fallback>
+    <mc:Fallback xmlns="">
       <p:transition spd="slow">
         <p:fade/>
       </p:transition>
     </mc:Fallback>
   </mc:AlternateContent>
-  <p:timing>
-    <p:tnLst>
-      <p:par>
-        <p:cTn id="1" dur="indefinite" restart="never" nodeType="tmRoot"/>
-      </p:par>
-    </p:tnLst>
-  </p:timing>
 </p:sld>
 </file>
 
@@ -4192,7 +4304,7 @@
           <p:cNvPr id="2" name="Заглавие 1">
             <a:extLst>
               <a:ext uri="{FF2B5EF4-FFF2-40B4-BE49-F238E27FC236}">
-                <a16:creationId xmlns:a16="http://schemas.microsoft.com/office/drawing/2014/main" xmlns="" id="{FBC6FCB5-12E9-4A81-BB4C-0E8CE1677AFD}"/>
+                <a16:creationId xmlns:a16="http://schemas.microsoft.com/office/drawing/2014/main" id="{FBC6FCB5-12E9-4A81-BB4C-0E8CE1677AFD}"/>
               </a:ext>
             </a:extLst>
           </p:cNvPr>
@@ -4217,7 +4329,7 @@
           <p:cNvPr id="3" name="Контейнер за съдържание 2">
             <a:extLst>
               <a:ext uri="{FF2B5EF4-FFF2-40B4-BE49-F238E27FC236}">
-                <a16:creationId xmlns:a16="http://schemas.microsoft.com/office/drawing/2014/main" xmlns="" id="{483FEB97-7E6C-4235-92B1-1A48B4F0D197}"/>
+                <a16:creationId xmlns:a16="http://schemas.microsoft.com/office/drawing/2014/main" id="{483FEB97-7E6C-4235-92B1-1A48B4F0D197}"/>
               </a:ext>
             </a:extLst>
           </p:cNvPr>
@@ -4242,7 +4354,7 @@
           <p:cNvPr id="4" name="Картина 3">
             <a:extLst>
               <a:ext uri="{FF2B5EF4-FFF2-40B4-BE49-F238E27FC236}">
-                <a16:creationId xmlns:a16="http://schemas.microsoft.com/office/drawing/2014/main" xmlns="" id="{D20F0C1E-D337-4EC8-AB22-2FAE6332C5EB}"/>
+                <a16:creationId xmlns:a16="http://schemas.microsoft.com/office/drawing/2014/main" id="{D20F0C1E-D337-4EC8-AB22-2FAE6332C5EB}"/>
               </a:ext>
             </a:extLst>
           </p:cNvPr>
@@ -4278,7 +4390,7 @@
           <p:cNvPr id="5" name="Текстово поле 4">
             <a:extLst>
               <a:ext uri="{FF2B5EF4-FFF2-40B4-BE49-F238E27FC236}">
-                <a16:creationId xmlns:a16="http://schemas.microsoft.com/office/drawing/2014/main" xmlns="" id="{F822A3F1-C01D-4D38-990A-F131166ECB48}"/>
+                <a16:creationId xmlns:a16="http://schemas.microsoft.com/office/drawing/2014/main" id="{F822A3F1-C01D-4D38-990A-F131166ECB48}"/>
               </a:ext>
             </a:extLst>
           </p:cNvPr>
@@ -4383,25 +4495,18 @@
   <p:clrMapOvr>
     <a:masterClrMapping/>
   </p:clrMapOvr>
-  <mc:AlternateContent xmlns:mc="http://schemas.openxmlformats.org/markup-compatibility/2006">
-    <mc:Choice xmlns:p14="http://schemas.microsoft.com/office/powerpoint/2010/main" Requires="p14">
+  <mc:AlternateContent xmlns:mc="http://schemas.openxmlformats.org/markup-compatibility/2006" xmlns:p14="http://schemas.microsoft.com/office/powerpoint/2010/main">
+    <mc:Choice Requires="p14">
       <p:transition spd="slow" p14:dur="1200">
         <p:dissolve/>
       </p:transition>
     </mc:Choice>
-    <mc:Fallback>
+    <mc:Fallback xmlns="">
       <p:transition spd="slow">
         <p:dissolve/>
       </p:transition>
     </mc:Fallback>
   </mc:AlternateContent>
-  <p:timing>
-    <p:tnLst>
-      <p:par>
-        <p:cTn id="1" dur="indefinite" restart="never" nodeType="tmRoot"/>
-      </p:par>
-    </p:tnLst>
-  </p:timing>
 </p:sld>
 </file>
 
@@ -4438,51 +4543,50 @@
           <a:lstStyle/>
           <a:p>
             <a:r>
-              <a:rPr lang="bg-BG" dirty="0" smtClean="0"/>
+              <a:rPr lang="bg-BG" dirty="0"/>
               <a:t>Изказваме благодарности към:</a:t>
             </a:r>
+          </a:p>
+        </p:txBody>
+      </p:sp>
+      <p:sp>
+        <p:nvSpPr>
+          <p:cNvPr id="3" name="Content Placeholder 2"/>
+          <p:cNvSpPr>
+            <a:spLocks noGrp="1"/>
+          </p:cNvSpPr>
+          <p:nvPr>
+            <p:ph idx="1"/>
+          </p:nvPr>
+        </p:nvSpPr>
+        <p:spPr/>
+        <p:txBody>
+          <a:bodyPr/>
+          <a:lstStyle/>
+          <a:p>
+            <a:r>
+              <a:rPr lang="bg-BG" dirty="0"/>
+              <a:t>Оргарнизаторите;</a:t>
+            </a:r>
+          </a:p>
+          <a:p>
+            <a:r>
+              <a:rPr lang="bg-BG" dirty="0"/>
+              <a:t>Менторите;</a:t>
+            </a:r>
+          </a:p>
+          <a:p>
+            <a:r>
+              <a:rPr lang="bg-BG"/>
+              <a:t>Съучениците ни;</a:t>
+            </a:r>
             <a:endParaRPr lang="bg-BG" dirty="0"/>
           </a:p>
-        </p:txBody>
-      </p:sp>
-      <p:sp>
-        <p:nvSpPr>
-          <p:cNvPr id="3" name="Content Placeholder 2"/>
-          <p:cNvSpPr>
-            <a:spLocks noGrp="1"/>
-          </p:cNvSpPr>
-          <p:nvPr>
-            <p:ph idx="1"/>
-          </p:nvPr>
-        </p:nvSpPr>
-        <p:spPr/>
-        <p:txBody>
-          <a:bodyPr/>
-          <a:lstStyle/>
-          <a:p>
-            <a:r>
-              <a:rPr lang="bg-BG" dirty="0" smtClean="0"/>
-              <a:t>Оргарнизаторите;</a:t>
-            </a:r>
-          </a:p>
-          <a:p>
-            <a:r>
-              <a:rPr lang="bg-BG" dirty="0" smtClean="0"/>
-              <a:t>Ментори;</a:t>
-            </a:r>
-          </a:p>
-          <a:p>
-            <a:r>
-              <a:rPr lang="bg-BG" dirty="0" smtClean="0"/>
-              <a:t>Съученици;</a:t>
-            </a:r>
-          </a:p>
-          <a:p>
-            <a:r>
-              <a:rPr lang="bg-BG" dirty="0" smtClean="0"/>
+          <a:p>
+            <a:r>
+              <a:rPr lang="bg-BG" dirty="0"/>
               <a:t>Преподавателите;</a:t>
             </a:r>
-            <a:endParaRPr lang="bg-BG" dirty="0"/>
           </a:p>
         </p:txBody>
       </p:sp>
@@ -4496,25 +4600,18 @@
   <p:clrMapOvr>
     <a:masterClrMapping/>
   </p:clrMapOvr>
-  <mc:AlternateContent xmlns:mc="http://schemas.openxmlformats.org/markup-compatibility/2006">
-    <mc:Choice xmlns:p14="http://schemas.microsoft.com/office/powerpoint/2010/main" Requires="p14">
+  <mc:AlternateContent xmlns:mc="http://schemas.openxmlformats.org/markup-compatibility/2006" xmlns:p14="http://schemas.microsoft.com/office/powerpoint/2010/main">
+    <mc:Choice Requires="p14">
       <p:transition spd="slow" p14:dur="1200">
         <p14:flip dir="r"/>
       </p:transition>
     </mc:Choice>
-    <mc:Fallback>
+    <mc:Fallback xmlns="">
       <p:transition spd="slow">
         <p:fade/>
       </p:transition>
     </mc:Fallback>
   </mc:AlternateContent>
-  <p:timing>
-    <p:tnLst>
-      <p:par>
-        <p:cTn id="1" dur="indefinite" restart="never" nodeType="tmRoot"/>
-      </p:par>
-    </p:tnLst>
-  </p:timing>
 </p:sld>
 </file>
 
@@ -4572,7 +4669,7 @@
           <a:lstStyle/>
           <a:p>
             <a:r>
-              <a:rPr lang="bg-BG" sz="6000" dirty="0" smtClean="0">
+              <a:rPr lang="bg-BG" sz="6000" dirty="0">
                 <a:solidFill>
                   <a:schemeClr val="tx1">
                     <a:lumMod val="85000"/>
@@ -4582,14 +4679,6 @@
               </a:rPr>
               <a:t>Благодарим за вниманието!</a:t>
             </a:r>
-            <a:endParaRPr lang="bg-BG" sz="6000" dirty="0">
-              <a:solidFill>
-                <a:schemeClr val="tx1">
-                  <a:lumMod val="85000"/>
-                  <a:lumOff val="15000"/>
-                </a:schemeClr>
-              </a:solidFill>
-            </a:endParaRPr>
           </a:p>
         </p:txBody>
       </p:sp>
@@ -4603,25 +4692,18 @@
   <p:clrMapOvr>
     <a:masterClrMapping/>
   </p:clrMapOvr>
-  <mc:AlternateContent xmlns:mc="http://schemas.openxmlformats.org/markup-compatibility/2006">
-    <mc:Choice xmlns:p14="http://schemas.microsoft.com/office/powerpoint/2010/main" Requires="p14">
+  <mc:AlternateContent xmlns:mc="http://schemas.openxmlformats.org/markup-compatibility/2006" xmlns:p14="http://schemas.microsoft.com/office/powerpoint/2010/main">
+    <mc:Choice Requires="p14">
       <p:transition spd="med" p14:dur="700">
         <p:fade/>
       </p:transition>
     </mc:Choice>
-    <mc:Fallback>
+    <mc:Fallback xmlns="">
       <p:transition spd="med">
         <p:fade/>
       </p:transition>
     </mc:Fallback>
   </mc:AlternateContent>
-  <p:timing>
-    <p:tnLst>
-      <p:par>
-        <p:cTn id="1" dur="indefinite" restart="never" nodeType="tmRoot"/>
-      </p:par>
-    </p:tnLst>
-  </p:timing>
 </p:sld>
 </file>
 
@@ -4914,7 +4996,7 @@
   <a:extraClrSchemeLst/>
   <a:extLst>
     <a:ext uri="{05A4C25C-085E-4340-85A3-A5531E510DB2}">
-      <thm15:themeFamily xmlns:thm15="http://schemas.microsoft.com/office/thememl/2012/main" xmlns="" name="Office Theme" id="{62F939B6-93AF-4DB8-9C6B-D6C7DFDC589F}" vid="{4A3C46E8-61CC-4603-A589-7422A47A8E4A}"/>
+      <thm15:themeFamily xmlns:thm15="http://schemas.microsoft.com/office/thememl/2012/main" name="Office Theme" id="{62F939B6-93AF-4DB8-9C6B-D6C7DFDC589F}" vid="{4A3C46E8-61CC-4603-A589-7422A47A8E4A}"/>
     </a:ext>
   </a:extLst>
 </a:theme>
